--- a/Probability in Poker.pptx
+++ b/Probability in Poker.pptx
@@ -11,7 +11,8 @@
     <p:sldId id="261" r:id="rId8"/>
     <p:sldId id="263" r:id="rId9"/>
     <p:sldId id="264" r:id="rId10"/>
-    <p:sldId id="260" r:id="rId11"/>
+    <p:sldId id="265" r:id="rId11"/>
+    <p:sldId id="260" r:id="rId12"/>
   </p:sldIdLst>
   <p:sldSz cx="12192000" cy="6858000"/>
   <p:notesSz cx="6858000" cy="9144000"/>
@@ -4922,23 +4923,7 @@
                   <a:schemeClr val="tx2"/>
                 </a:solidFill>
               </a:rPr>
-              <a:t>Probability of </a:t>
-            </a:r>
-            <a:r>
-              <a:rPr lang="en-US">
-                <a:solidFill>
-                  <a:schemeClr val="tx2"/>
-                </a:solidFill>
-              </a:rPr>
-              <a:t>Different basic poker </a:t>
-            </a:r>
-            <a:r>
-              <a:rPr lang="en-US" dirty="0">
-                <a:solidFill>
-                  <a:schemeClr val="tx2"/>
-                </a:solidFill>
-              </a:rPr>
-              <a:t>hands </a:t>
+              <a:t>Probability of Different basic poker hands </a:t>
             </a:r>
           </a:p>
         </p:txBody>
@@ -5712,6 +5697,92 @@
 </file>
 
 <file path=ppt/slides/slide7.xml><?xml version="1.0" encoding="utf-8"?>
+<p:sld xmlns:a="http://schemas.openxmlformats.org/drawingml/2006/main" xmlns:r="http://schemas.openxmlformats.org/officeDocument/2006/relationships" xmlns:p="http://schemas.openxmlformats.org/presentationml/2006/main">
+  <p:cSld>
+    <p:spTree>
+      <p:nvGrpSpPr>
+        <p:cNvPr id="1" name=""/>
+        <p:cNvGrpSpPr/>
+        <p:nvPr/>
+      </p:nvGrpSpPr>
+      <p:grpSpPr>
+        <a:xfrm>
+          <a:off x="0" y="0"/>
+          <a:ext cx="0" cy="0"/>
+          <a:chOff x="0" y="0"/>
+          <a:chExt cx="0" cy="0"/>
+        </a:xfrm>
+      </p:grpSpPr>
+      <p:sp>
+        <p:nvSpPr>
+          <p:cNvPr id="2" name="Title 1">
+            <a:extLst>
+              <a:ext uri="{FF2B5EF4-FFF2-40B4-BE49-F238E27FC236}">
+                <a16:creationId xmlns:a16="http://schemas.microsoft.com/office/drawing/2014/main" id="{25A5E001-4542-4459-8BEA-145B2AEB36A9}"/>
+              </a:ext>
+            </a:extLst>
+          </p:cNvPr>
+          <p:cNvSpPr>
+            <a:spLocks noGrp="1"/>
+          </p:cNvSpPr>
+          <p:nvPr>
+            <p:ph type="title"/>
+          </p:nvPr>
+        </p:nvSpPr>
+        <p:spPr/>
+        <p:txBody>
+          <a:bodyPr/>
+          <a:lstStyle/>
+          <a:p>
+            <a:r>
+              <a:rPr lang="en-US" dirty="0"/>
+              <a:t>Conclusion	</a:t>
+            </a:r>
+          </a:p>
+        </p:txBody>
+      </p:sp>
+      <p:sp>
+        <p:nvSpPr>
+          <p:cNvPr id="3" name="Content Placeholder 2">
+            <a:extLst>
+              <a:ext uri="{FF2B5EF4-FFF2-40B4-BE49-F238E27FC236}">
+                <a16:creationId xmlns:a16="http://schemas.microsoft.com/office/drawing/2014/main" id="{2B49E136-21CA-4530-9C28-570D1C174A8E}"/>
+              </a:ext>
+            </a:extLst>
+          </p:cNvPr>
+          <p:cNvSpPr>
+            <a:spLocks noGrp="1"/>
+          </p:cNvSpPr>
+          <p:nvPr>
+            <p:ph idx="1"/>
+          </p:nvPr>
+        </p:nvSpPr>
+        <p:spPr/>
+        <p:txBody>
+          <a:bodyPr/>
+          <a:lstStyle/>
+          <a:p>
+            <a:r>
+              <a:rPr lang="en-US" dirty="0"/>
+              <a:t>The game of poker is a game of probability and knowing your odds to best maximize your profits. As we have seen the different hands possible can be extensive and only becomes more complicated as we account for more players and trying to calculate specific cards, not just hand types. Overall, this can be a fun and not so serious way of applying discrete math and statistics into real life.</a:t>
+            </a:r>
+          </a:p>
+        </p:txBody>
+      </p:sp>
+    </p:spTree>
+    <p:extLst>
+      <p:ext uri="{BB962C8B-B14F-4D97-AF65-F5344CB8AC3E}">
+        <p14:creationId xmlns:p14="http://schemas.microsoft.com/office/powerpoint/2010/main" val="765647698"/>
+      </p:ext>
+    </p:extLst>
+  </p:cSld>
+  <p:clrMapOvr>
+    <a:masterClrMapping/>
+  </p:clrMapOvr>
+</p:sld>
+</file>
+
+<file path=ppt/slides/slide8.xml><?xml version="1.0" encoding="utf-8"?>
 <p:sld xmlns:a="http://schemas.openxmlformats.org/drawingml/2006/main" xmlns:r="http://schemas.openxmlformats.org/officeDocument/2006/relationships" xmlns:p="http://schemas.openxmlformats.org/presentationml/2006/main">
   <p:cSld>
     <p:spTree>
